--- a/figures/Figure5.pptx
+++ b/figures/Figure5.pptx
@@ -2,12 +2,12 @@
 <file path=ppt/presentation.xml><?xml version="1.0" encoding="utf-8"?>
 <p:presentation xmlns:a="http://schemas.openxmlformats.org/drawingml/2006/main" xmlns:r="http://schemas.openxmlformats.org/officeDocument/2006/relationships" xmlns:p="http://schemas.openxmlformats.org/presentationml/2006/main" saveSubsetFonts="1" autoCompressPictures="0">
   <p:sldMasterIdLst>
-    <p:sldMasterId id="2147483684" r:id="rId1"/>
+    <p:sldMasterId id="2147483744" r:id="rId1"/>
   </p:sldMasterIdLst>
   <p:sldIdLst>
     <p:sldId id="256" r:id="rId2"/>
   </p:sldIdLst>
-  <p:sldSz cx="11160125" cy="6840538"/>
+  <p:sldSz cx="11160125" cy="11879263"/>
   <p:notesSz cx="6858000" cy="9144000"/>
   <p:defaultTextStyle>
     <a:defPPr>
@@ -141,15 +141,15 @@
         </p:nvSpPr>
         <p:spPr>
           <a:xfrm>
-            <a:off x="1395016" y="1119505"/>
-            <a:ext cx="8370094" cy="2381521"/>
+            <a:off x="837010" y="1944130"/>
+            <a:ext cx="9486106" cy="4135743"/>
           </a:xfrm>
         </p:spPr>
         <p:txBody>
           <a:bodyPr anchor="b"/>
           <a:lstStyle>
             <a:lvl1pPr algn="ctr">
-              <a:defRPr sz="5492"/>
+              <a:defRPr sz="7323"/>
             </a:lvl1pPr>
           </a:lstStyle>
           <a:p>
@@ -173,8 +173,8 @@
         </p:nvSpPr>
         <p:spPr>
           <a:xfrm>
-            <a:off x="1395016" y="3592866"/>
-            <a:ext cx="8370094" cy="1651546"/>
+            <a:off x="1395016" y="6239364"/>
+            <a:ext cx="8370094" cy="2868071"/>
           </a:xfrm>
         </p:spPr>
         <p:txBody>
@@ -182,39 +182,39 @@
           <a:lstStyle>
             <a:lvl1pPr marL="0" indent="0" algn="ctr">
               <a:buNone/>
+              <a:defRPr sz="2929"/>
+            </a:lvl1pPr>
+            <a:lvl2pPr marL="558013" indent="0" algn="ctr">
+              <a:buNone/>
+              <a:defRPr sz="2441"/>
+            </a:lvl2pPr>
+            <a:lvl3pPr marL="1116025" indent="0" algn="ctr">
+              <a:buNone/>
               <a:defRPr sz="2197"/>
-            </a:lvl1pPr>
-            <a:lvl2pPr marL="418521" indent="0" algn="ctr">
-              <a:buNone/>
-              <a:defRPr sz="1831"/>
-            </a:lvl2pPr>
-            <a:lvl3pPr marL="837042" indent="0" algn="ctr">
-              <a:buNone/>
-              <a:defRPr sz="1648"/>
             </a:lvl3pPr>
-            <a:lvl4pPr marL="1255563" indent="0" algn="ctr">
-              <a:buNone/>
-              <a:defRPr sz="1465"/>
+            <a:lvl4pPr marL="1674038" indent="0" algn="ctr">
+              <a:buNone/>
+              <a:defRPr sz="1953"/>
             </a:lvl4pPr>
-            <a:lvl5pPr marL="1674084" indent="0" algn="ctr">
-              <a:buNone/>
-              <a:defRPr sz="1465"/>
+            <a:lvl5pPr marL="2232050" indent="0" algn="ctr">
+              <a:buNone/>
+              <a:defRPr sz="1953"/>
             </a:lvl5pPr>
-            <a:lvl6pPr marL="2092604" indent="0" algn="ctr">
-              <a:buNone/>
-              <a:defRPr sz="1465"/>
+            <a:lvl6pPr marL="2790063" indent="0" algn="ctr">
+              <a:buNone/>
+              <a:defRPr sz="1953"/>
             </a:lvl6pPr>
-            <a:lvl7pPr marL="2511125" indent="0" algn="ctr">
-              <a:buNone/>
-              <a:defRPr sz="1465"/>
+            <a:lvl7pPr marL="3348076" indent="0" algn="ctr">
+              <a:buNone/>
+              <a:defRPr sz="1953"/>
             </a:lvl7pPr>
-            <a:lvl8pPr marL="2929646" indent="0" algn="ctr">
-              <a:buNone/>
-              <a:defRPr sz="1465"/>
+            <a:lvl8pPr marL="3906088" indent="0" algn="ctr">
+              <a:buNone/>
+              <a:defRPr sz="1953"/>
             </a:lvl8pPr>
-            <a:lvl9pPr marL="3348167" indent="0" algn="ctr">
-              <a:buNone/>
-              <a:defRPr sz="1465"/>
+            <a:lvl9pPr marL="4464101" indent="0" algn="ctr">
+              <a:buNone/>
+              <a:defRPr sz="1953"/>
             </a:lvl9pPr>
           </a:lstStyle>
           <a:p>
@@ -243,7 +243,7 @@
           <a:p>
             <a:fld id="{2313E746-7D2A-1341-8427-665C42FE66A6}" type="datetimeFigureOut">
               <a:rPr lang="en-US" smtClean="0"/>
-              <a:t>6/11/25</a:t>
+              <a:t>12/16/25</a:t>
             </a:fld>
             <a:endParaRPr lang="en-US"/>
           </a:p>
@@ -294,7 +294,7 @@
     </p:spTree>
     <p:extLst>
       <p:ext uri="{BB962C8B-B14F-4D97-AF65-F5344CB8AC3E}">
-        <p14:creationId xmlns:p14="http://schemas.microsoft.com/office/powerpoint/2010/main" val="218286928"/>
+        <p14:creationId xmlns:p14="http://schemas.microsoft.com/office/powerpoint/2010/main" val="1817939646"/>
       </p:ext>
     </p:extLst>
   </p:cSld>
@@ -413,7 +413,7 @@
           <a:p>
             <a:fld id="{2313E746-7D2A-1341-8427-665C42FE66A6}" type="datetimeFigureOut">
               <a:rPr lang="en-US" smtClean="0"/>
-              <a:t>6/11/25</a:t>
+              <a:t>12/16/25</a:t>
             </a:fld>
             <a:endParaRPr lang="en-US"/>
           </a:p>
@@ -464,7 +464,7 @@
     </p:spTree>
     <p:extLst>
       <p:ext uri="{BB962C8B-B14F-4D97-AF65-F5344CB8AC3E}">
-        <p14:creationId xmlns:p14="http://schemas.microsoft.com/office/powerpoint/2010/main" val="3386452101"/>
+        <p14:creationId xmlns:p14="http://schemas.microsoft.com/office/powerpoint/2010/main" val="2701359129"/>
       </p:ext>
     </p:extLst>
   </p:cSld>
@@ -503,8 +503,8 @@
         </p:nvSpPr>
         <p:spPr>
           <a:xfrm>
-            <a:off x="7986464" y="364195"/>
-            <a:ext cx="2406402" cy="5797040"/>
+            <a:off x="7986465" y="632461"/>
+            <a:ext cx="2406402" cy="10067126"/>
           </a:xfrm>
         </p:spPr>
         <p:txBody>
@@ -531,8 +531,8 @@
         </p:nvSpPr>
         <p:spPr>
           <a:xfrm>
-            <a:off x="767259" y="364195"/>
-            <a:ext cx="7079704" cy="5797040"/>
+            <a:off x="767259" y="632461"/>
+            <a:ext cx="7079704" cy="10067126"/>
           </a:xfrm>
         </p:spPr>
         <p:txBody>
@@ -593,7 +593,7 @@
           <a:p>
             <a:fld id="{2313E746-7D2A-1341-8427-665C42FE66A6}" type="datetimeFigureOut">
               <a:rPr lang="en-US" smtClean="0"/>
-              <a:t>6/11/25</a:t>
+              <a:t>12/16/25</a:t>
             </a:fld>
             <a:endParaRPr lang="en-US"/>
           </a:p>
@@ -644,7 +644,7 @@
     </p:spTree>
     <p:extLst>
       <p:ext uri="{BB962C8B-B14F-4D97-AF65-F5344CB8AC3E}">
-        <p14:creationId xmlns:p14="http://schemas.microsoft.com/office/powerpoint/2010/main" val="63828736"/>
+        <p14:creationId xmlns:p14="http://schemas.microsoft.com/office/powerpoint/2010/main" val="3646303445"/>
       </p:ext>
     </p:extLst>
   </p:cSld>
@@ -763,7 +763,7 @@
           <a:p>
             <a:fld id="{2313E746-7D2A-1341-8427-665C42FE66A6}" type="datetimeFigureOut">
               <a:rPr lang="en-US" smtClean="0"/>
-              <a:t>6/11/25</a:t>
+              <a:t>12/16/25</a:t>
             </a:fld>
             <a:endParaRPr lang="en-US"/>
           </a:p>
@@ -814,7 +814,7 @@
     </p:spTree>
     <p:extLst>
       <p:ext uri="{BB962C8B-B14F-4D97-AF65-F5344CB8AC3E}">
-        <p14:creationId xmlns:p14="http://schemas.microsoft.com/office/powerpoint/2010/main" val="1098245103"/>
+        <p14:creationId xmlns:p14="http://schemas.microsoft.com/office/powerpoint/2010/main" val="1832931716"/>
       </p:ext>
     </p:extLst>
   </p:cSld>
@@ -853,15 +853,15 @@
         </p:nvSpPr>
         <p:spPr>
           <a:xfrm>
-            <a:off x="761446" y="1705385"/>
-            <a:ext cx="9625608" cy="2845473"/>
+            <a:off x="761447" y="2961570"/>
+            <a:ext cx="9625608" cy="4941443"/>
           </a:xfrm>
         </p:spPr>
         <p:txBody>
           <a:bodyPr anchor="b"/>
           <a:lstStyle>
             <a:lvl1pPr>
-              <a:defRPr sz="5492"/>
+              <a:defRPr sz="7323"/>
             </a:lvl1pPr>
           </a:lstStyle>
           <a:p>
@@ -885,14 +885,32 @@
         </p:nvSpPr>
         <p:spPr>
           <a:xfrm>
-            <a:off x="761446" y="4577778"/>
-            <a:ext cx="9625608" cy="1496367"/>
+            <a:off x="761447" y="7949760"/>
+            <a:ext cx="9625608" cy="2598588"/>
           </a:xfrm>
         </p:spPr>
         <p:txBody>
           <a:bodyPr/>
           <a:lstStyle>
             <a:lvl1pPr marL="0" indent="0">
+              <a:buNone/>
+              <a:defRPr sz="2929">
+                <a:solidFill>
+                  <a:schemeClr val="tx1"/>
+                </a:solidFill>
+              </a:defRPr>
+            </a:lvl1pPr>
+            <a:lvl2pPr marL="558013" indent="0">
+              <a:buNone/>
+              <a:defRPr sz="2441">
+                <a:solidFill>
+                  <a:schemeClr val="tx1">
+                    <a:tint val="75000"/>
+                  </a:schemeClr>
+                </a:solidFill>
+              </a:defRPr>
+            </a:lvl2pPr>
+            <a:lvl3pPr marL="1116025" indent="0">
               <a:buNone/>
               <a:defRPr sz="2197">
                 <a:solidFill>
@@ -901,30 +919,10 @@
                   </a:schemeClr>
                 </a:solidFill>
               </a:defRPr>
-            </a:lvl1pPr>
-            <a:lvl2pPr marL="418521" indent="0">
-              <a:buNone/>
-              <a:defRPr sz="1831">
-                <a:solidFill>
-                  <a:schemeClr val="tx1">
-                    <a:tint val="75000"/>
-                  </a:schemeClr>
-                </a:solidFill>
-              </a:defRPr>
-            </a:lvl2pPr>
-            <a:lvl3pPr marL="837042" indent="0">
-              <a:buNone/>
-              <a:defRPr sz="1648">
-                <a:solidFill>
-                  <a:schemeClr val="tx1">
-                    <a:tint val="75000"/>
-                  </a:schemeClr>
-                </a:solidFill>
-              </a:defRPr>
             </a:lvl3pPr>
-            <a:lvl4pPr marL="1255563" indent="0">
-              <a:buNone/>
-              <a:defRPr sz="1465">
+            <a:lvl4pPr marL="1674038" indent="0">
+              <a:buNone/>
+              <a:defRPr sz="1953">
                 <a:solidFill>
                   <a:schemeClr val="tx1">
                     <a:tint val="75000"/>
@@ -932,9 +930,9 @@
                 </a:solidFill>
               </a:defRPr>
             </a:lvl4pPr>
-            <a:lvl5pPr marL="1674084" indent="0">
-              <a:buNone/>
-              <a:defRPr sz="1465">
+            <a:lvl5pPr marL="2232050" indent="0">
+              <a:buNone/>
+              <a:defRPr sz="1953">
                 <a:solidFill>
                   <a:schemeClr val="tx1">
                     <a:tint val="75000"/>
@@ -942,9 +940,9 @@
                 </a:solidFill>
               </a:defRPr>
             </a:lvl5pPr>
-            <a:lvl6pPr marL="2092604" indent="0">
-              <a:buNone/>
-              <a:defRPr sz="1465">
+            <a:lvl6pPr marL="2790063" indent="0">
+              <a:buNone/>
+              <a:defRPr sz="1953">
                 <a:solidFill>
                   <a:schemeClr val="tx1">
                     <a:tint val="75000"/>
@@ -952,9 +950,9 @@
                 </a:solidFill>
               </a:defRPr>
             </a:lvl6pPr>
-            <a:lvl7pPr marL="2511125" indent="0">
-              <a:buNone/>
-              <a:defRPr sz="1465">
+            <a:lvl7pPr marL="3348076" indent="0">
+              <a:buNone/>
+              <a:defRPr sz="1953">
                 <a:solidFill>
                   <a:schemeClr val="tx1">
                     <a:tint val="75000"/>
@@ -962,9 +960,9 @@
                 </a:solidFill>
               </a:defRPr>
             </a:lvl7pPr>
-            <a:lvl8pPr marL="2929646" indent="0">
-              <a:buNone/>
-              <a:defRPr sz="1465">
+            <a:lvl8pPr marL="3906088" indent="0">
+              <a:buNone/>
+              <a:defRPr sz="1953">
                 <a:solidFill>
                   <a:schemeClr val="tx1">
                     <a:tint val="75000"/>
@@ -972,9 +970,9 @@
                 </a:solidFill>
               </a:defRPr>
             </a:lvl8pPr>
-            <a:lvl9pPr marL="3348167" indent="0">
-              <a:buNone/>
-              <a:defRPr sz="1465">
+            <a:lvl9pPr marL="4464101" indent="0">
+              <a:buNone/>
+              <a:defRPr sz="1953">
                 <a:solidFill>
                   <a:schemeClr val="tx1">
                     <a:tint val="75000"/>
@@ -1009,7 +1007,7 @@
           <a:p>
             <a:fld id="{2313E746-7D2A-1341-8427-665C42FE66A6}" type="datetimeFigureOut">
               <a:rPr lang="en-US" smtClean="0"/>
-              <a:t>6/11/25</a:t>
+              <a:t>12/16/25</a:t>
             </a:fld>
             <a:endParaRPr lang="en-US"/>
           </a:p>
@@ -1060,7 +1058,7 @@
     </p:spTree>
     <p:extLst>
       <p:ext uri="{BB962C8B-B14F-4D97-AF65-F5344CB8AC3E}">
-        <p14:creationId xmlns:p14="http://schemas.microsoft.com/office/powerpoint/2010/main" val="1716979777"/>
+        <p14:creationId xmlns:p14="http://schemas.microsoft.com/office/powerpoint/2010/main" val="2481618844"/>
       </p:ext>
     </p:extLst>
   </p:cSld>
@@ -1122,8 +1120,8 @@
         </p:nvSpPr>
         <p:spPr>
           <a:xfrm>
-            <a:off x="767259" y="1820976"/>
-            <a:ext cx="4743053" cy="4340259"/>
+            <a:off x="767259" y="3162304"/>
+            <a:ext cx="4743053" cy="7537283"/>
           </a:xfrm>
         </p:spPr>
         <p:txBody>
@@ -1179,8 +1177,8 @@
         </p:nvSpPr>
         <p:spPr>
           <a:xfrm>
-            <a:off x="5649813" y="1820976"/>
-            <a:ext cx="4743053" cy="4340259"/>
+            <a:off x="5649813" y="3162304"/>
+            <a:ext cx="4743053" cy="7537283"/>
           </a:xfrm>
         </p:spPr>
         <p:txBody>
@@ -1241,7 +1239,7 @@
           <a:p>
             <a:fld id="{2313E746-7D2A-1341-8427-665C42FE66A6}" type="datetimeFigureOut">
               <a:rPr lang="en-US" smtClean="0"/>
-              <a:t>6/11/25</a:t>
+              <a:t>12/16/25</a:t>
             </a:fld>
             <a:endParaRPr lang="en-US"/>
           </a:p>
@@ -1292,7 +1290,7 @@
     </p:spTree>
     <p:extLst>
       <p:ext uri="{BB962C8B-B14F-4D97-AF65-F5344CB8AC3E}">
-        <p14:creationId xmlns:p14="http://schemas.microsoft.com/office/powerpoint/2010/main" val="3317394151"/>
+        <p14:creationId xmlns:p14="http://schemas.microsoft.com/office/powerpoint/2010/main" val="2146545469"/>
       </p:ext>
     </p:extLst>
   </p:cSld>
@@ -1331,8 +1329,8 @@
         </p:nvSpPr>
         <p:spPr>
           <a:xfrm>
-            <a:off x="768712" y="364196"/>
-            <a:ext cx="9625608" cy="1322188"/>
+            <a:off x="768712" y="632464"/>
+            <a:ext cx="9625608" cy="2296108"/>
           </a:xfrm>
         </p:spPr>
         <p:txBody>
@@ -1359,8 +1357,8 @@
         </p:nvSpPr>
         <p:spPr>
           <a:xfrm>
-            <a:off x="768712" y="1676882"/>
-            <a:ext cx="4721256" cy="821814"/>
+            <a:off x="768714" y="2912070"/>
+            <a:ext cx="4721255" cy="1427161"/>
           </a:xfrm>
         </p:spPr>
         <p:txBody>
@@ -1368,39 +1366,39 @@
           <a:lstStyle>
             <a:lvl1pPr marL="0" indent="0">
               <a:buNone/>
+              <a:defRPr sz="2929" b="1"/>
+            </a:lvl1pPr>
+            <a:lvl2pPr marL="558013" indent="0">
+              <a:buNone/>
+              <a:defRPr sz="2441" b="1"/>
+            </a:lvl2pPr>
+            <a:lvl3pPr marL="1116025" indent="0">
+              <a:buNone/>
               <a:defRPr sz="2197" b="1"/>
-            </a:lvl1pPr>
-            <a:lvl2pPr marL="418521" indent="0">
-              <a:buNone/>
-              <a:defRPr sz="1831" b="1"/>
-            </a:lvl2pPr>
-            <a:lvl3pPr marL="837042" indent="0">
-              <a:buNone/>
-              <a:defRPr sz="1648" b="1"/>
             </a:lvl3pPr>
-            <a:lvl4pPr marL="1255563" indent="0">
-              <a:buNone/>
-              <a:defRPr sz="1465" b="1"/>
+            <a:lvl4pPr marL="1674038" indent="0">
+              <a:buNone/>
+              <a:defRPr sz="1953" b="1"/>
             </a:lvl4pPr>
-            <a:lvl5pPr marL="1674084" indent="0">
-              <a:buNone/>
-              <a:defRPr sz="1465" b="1"/>
+            <a:lvl5pPr marL="2232050" indent="0">
+              <a:buNone/>
+              <a:defRPr sz="1953" b="1"/>
             </a:lvl5pPr>
-            <a:lvl6pPr marL="2092604" indent="0">
-              <a:buNone/>
-              <a:defRPr sz="1465" b="1"/>
+            <a:lvl6pPr marL="2790063" indent="0">
+              <a:buNone/>
+              <a:defRPr sz="1953" b="1"/>
             </a:lvl6pPr>
-            <a:lvl7pPr marL="2511125" indent="0">
-              <a:buNone/>
-              <a:defRPr sz="1465" b="1"/>
+            <a:lvl7pPr marL="3348076" indent="0">
+              <a:buNone/>
+              <a:defRPr sz="1953" b="1"/>
             </a:lvl7pPr>
-            <a:lvl8pPr marL="2929646" indent="0">
-              <a:buNone/>
-              <a:defRPr sz="1465" b="1"/>
+            <a:lvl8pPr marL="3906088" indent="0">
+              <a:buNone/>
+              <a:defRPr sz="1953" b="1"/>
             </a:lvl8pPr>
-            <a:lvl9pPr marL="3348167" indent="0">
-              <a:buNone/>
-              <a:defRPr sz="1465" b="1"/>
+            <a:lvl9pPr marL="4464101" indent="0">
+              <a:buNone/>
+              <a:defRPr sz="1953" b="1"/>
             </a:lvl9pPr>
           </a:lstStyle>
           <a:p>
@@ -1424,8 +1422,8 @@
         </p:nvSpPr>
         <p:spPr>
           <a:xfrm>
-            <a:off x="768712" y="2498697"/>
-            <a:ext cx="4721256" cy="3675206"/>
+            <a:off x="768714" y="4339231"/>
+            <a:ext cx="4721255" cy="6382355"/>
           </a:xfrm>
         </p:spPr>
         <p:txBody>
@@ -1481,8 +1479,8 @@
         </p:nvSpPr>
         <p:spPr>
           <a:xfrm>
-            <a:off x="5649813" y="1676882"/>
-            <a:ext cx="4744507" cy="821814"/>
+            <a:off x="5649814" y="2912070"/>
+            <a:ext cx="4744507" cy="1427161"/>
           </a:xfrm>
         </p:spPr>
         <p:txBody>
@@ -1490,39 +1488,39 @@
           <a:lstStyle>
             <a:lvl1pPr marL="0" indent="0">
               <a:buNone/>
+              <a:defRPr sz="2929" b="1"/>
+            </a:lvl1pPr>
+            <a:lvl2pPr marL="558013" indent="0">
+              <a:buNone/>
+              <a:defRPr sz="2441" b="1"/>
+            </a:lvl2pPr>
+            <a:lvl3pPr marL="1116025" indent="0">
+              <a:buNone/>
               <a:defRPr sz="2197" b="1"/>
-            </a:lvl1pPr>
-            <a:lvl2pPr marL="418521" indent="0">
-              <a:buNone/>
-              <a:defRPr sz="1831" b="1"/>
-            </a:lvl2pPr>
-            <a:lvl3pPr marL="837042" indent="0">
-              <a:buNone/>
-              <a:defRPr sz="1648" b="1"/>
             </a:lvl3pPr>
-            <a:lvl4pPr marL="1255563" indent="0">
-              <a:buNone/>
-              <a:defRPr sz="1465" b="1"/>
+            <a:lvl4pPr marL="1674038" indent="0">
+              <a:buNone/>
+              <a:defRPr sz="1953" b="1"/>
             </a:lvl4pPr>
-            <a:lvl5pPr marL="1674084" indent="0">
-              <a:buNone/>
-              <a:defRPr sz="1465" b="1"/>
+            <a:lvl5pPr marL="2232050" indent="0">
+              <a:buNone/>
+              <a:defRPr sz="1953" b="1"/>
             </a:lvl5pPr>
-            <a:lvl6pPr marL="2092604" indent="0">
-              <a:buNone/>
-              <a:defRPr sz="1465" b="1"/>
+            <a:lvl6pPr marL="2790063" indent="0">
+              <a:buNone/>
+              <a:defRPr sz="1953" b="1"/>
             </a:lvl6pPr>
-            <a:lvl7pPr marL="2511125" indent="0">
-              <a:buNone/>
-              <a:defRPr sz="1465" b="1"/>
+            <a:lvl7pPr marL="3348076" indent="0">
+              <a:buNone/>
+              <a:defRPr sz="1953" b="1"/>
             </a:lvl7pPr>
-            <a:lvl8pPr marL="2929646" indent="0">
-              <a:buNone/>
-              <a:defRPr sz="1465" b="1"/>
+            <a:lvl8pPr marL="3906088" indent="0">
+              <a:buNone/>
+              <a:defRPr sz="1953" b="1"/>
             </a:lvl8pPr>
-            <a:lvl9pPr marL="3348167" indent="0">
-              <a:buNone/>
-              <a:defRPr sz="1465" b="1"/>
+            <a:lvl9pPr marL="4464101" indent="0">
+              <a:buNone/>
+              <a:defRPr sz="1953" b="1"/>
             </a:lvl9pPr>
           </a:lstStyle>
           <a:p>
@@ -1546,8 +1544,8 @@
         </p:nvSpPr>
         <p:spPr>
           <a:xfrm>
-            <a:off x="5649813" y="2498697"/>
-            <a:ext cx="4744507" cy="3675206"/>
+            <a:off x="5649814" y="4339231"/>
+            <a:ext cx="4744507" cy="6382355"/>
           </a:xfrm>
         </p:spPr>
         <p:txBody>
@@ -1608,7 +1606,7 @@
           <a:p>
             <a:fld id="{2313E746-7D2A-1341-8427-665C42FE66A6}" type="datetimeFigureOut">
               <a:rPr lang="en-US" smtClean="0"/>
-              <a:t>6/11/25</a:t>
+              <a:t>12/16/25</a:t>
             </a:fld>
             <a:endParaRPr lang="en-US"/>
           </a:p>
@@ -1659,7 +1657,7 @@
     </p:spTree>
     <p:extLst>
       <p:ext uri="{BB962C8B-B14F-4D97-AF65-F5344CB8AC3E}">
-        <p14:creationId xmlns:p14="http://schemas.microsoft.com/office/powerpoint/2010/main" val="1008788056"/>
+        <p14:creationId xmlns:p14="http://schemas.microsoft.com/office/powerpoint/2010/main" val="3350047303"/>
       </p:ext>
     </p:extLst>
   </p:cSld>
@@ -1726,7 +1724,7 @@
           <a:p>
             <a:fld id="{2313E746-7D2A-1341-8427-665C42FE66A6}" type="datetimeFigureOut">
               <a:rPr lang="en-US" smtClean="0"/>
-              <a:t>6/11/25</a:t>
+              <a:t>12/16/25</a:t>
             </a:fld>
             <a:endParaRPr lang="en-US"/>
           </a:p>
@@ -1777,7 +1775,7 @@
     </p:spTree>
     <p:extLst>
       <p:ext uri="{BB962C8B-B14F-4D97-AF65-F5344CB8AC3E}">
-        <p14:creationId xmlns:p14="http://schemas.microsoft.com/office/powerpoint/2010/main" val="4148701683"/>
+        <p14:creationId xmlns:p14="http://schemas.microsoft.com/office/powerpoint/2010/main" val="3992170046"/>
       </p:ext>
     </p:extLst>
   </p:cSld>
@@ -1821,7 +1819,7 @@
           <a:p>
             <a:fld id="{2313E746-7D2A-1341-8427-665C42FE66A6}" type="datetimeFigureOut">
               <a:rPr lang="en-US" smtClean="0"/>
-              <a:t>6/11/25</a:t>
+              <a:t>12/16/25</a:t>
             </a:fld>
             <a:endParaRPr lang="en-US"/>
           </a:p>
@@ -1872,7 +1870,7 @@
     </p:spTree>
     <p:extLst>
       <p:ext uri="{BB962C8B-B14F-4D97-AF65-F5344CB8AC3E}">
-        <p14:creationId xmlns:p14="http://schemas.microsoft.com/office/powerpoint/2010/main" val="4226639776"/>
+        <p14:creationId xmlns:p14="http://schemas.microsoft.com/office/powerpoint/2010/main" val="425123795"/>
       </p:ext>
     </p:extLst>
   </p:cSld>
@@ -1911,15 +1909,15 @@
         </p:nvSpPr>
         <p:spPr>
           <a:xfrm>
-            <a:off x="768713" y="456036"/>
-            <a:ext cx="3599430" cy="1596126"/>
+            <a:off x="768712" y="791951"/>
+            <a:ext cx="3599431" cy="2771828"/>
           </a:xfrm>
         </p:spPr>
         <p:txBody>
           <a:bodyPr anchor="b"/>
           <a:lstStyle>
             <a:lvl1pPr>
-              <a:defRPr sz="2929"/>
+              <a:defRPr sz="3906"/>
             </a:lvl1pPr>
           </a:lstStyle>
           <a:p>
@@ -1943,39 +1941,39 @@
         </p:nvSpPr>
         <p:spPr>
           <a:xfrm>
-            <a:off x="4744507" y="984911"/>
-            <a:ext cx="5649813" cy="4861216"/>
+            <a:off x="4744507" y="1710397"/>
+            <a:ext cx="5649813" cy="8441976"/>
           </a:xfrm>
         </p:spPr>
         <p:txBody>
           <a:bodyPr/>
           <a:lstStyle>
             <a:lvl1pPr>
-              <a:defRPr sz="2929"/>
+              <a:defRPr sz="3906"/>
             </a:lvl1pPr>
             <a:lvl2pPr>
-              <a:defRPr sz="2563"/>
+              <a:defRPr sz="3417"/>
             </a:lvl2pPr>
             <a:lvl3pPr>
-              <a:defRPr sz="2197"/>
+              <a:defRPr sz="2929"/>
             </a:lvl3pPr>
             <a:lvl4pPr>
-              <a:defRPr sz="1831"/>
+              <a:defRPr sz="2441"/>
             </a:lvl4pPr>
             <a:lvl5pPr>
-              <a:defRPr sz="1831"/>
+              <a:defRPr sz="2441"/>
             </a:lvl5pPr>
             <a:lvl6pPr>
-              <a:defRPr sz="1831"/>
+              <a:defRPr sz="2441"/>
             </a:lvl6pPr>
             <a:lvl7pPr>
-              <a:defRPr sz="1831"/>
+              <a:defRPr sz="2441"/>
             </a:lvl7pPr>
             <a:lvl8pPr>
-              <a:defRPr sz="1831"/>
+              <a:defRPr sz="2441"/>
             </a:lvl8pPr>
             <a:lvl9pPr>
-              <a:defRPr sz="1831"/>
+              <a:defRPr sz="2441"/>
             </a:lvl9pPr>
           </a:lstStyle>
           <a:p>
@@ -2028,8 +2026,8 @@
         </p:nvSpPr>
         <p:spPr>
           <a:xfrm>
-            <a:off x="768713" y="2052161"/>
-            <a:ext cx="3599430" cy="3801883"/>
+            <a:off x="768712" y="3563779"/>
+            <a:ext cx="3599431" cy="6602341"/>
           </a:xfrm>
         </p:spPr>
         <p:txBody>
@@ -2037,39 +2035,39 @@
           <a:lstStyle>
             <a:lvl1pPr marL="0" indent="0">
               <a:buNone/>
+              <a:defRPr sz="1953"/>
+            </a:lvl1pPr>
+            <a:lvl2pPr marL="558013" indent="0">
+              <a:buNone/>
+              <a:defRPr sz="1709"/>
+            </a:lvl2pPr>
+            <a:lvl3pPr marL="1116025" indent="0">
+              <a:buNone/>
               <a:defRPr sz="1465"/>
-            </a:lvl1pPr>
-            <a:lvl2pPr marL="418521" indent="0">
-              <a:buNone/>
-              <a:defRPr sz="1282"/>
-            </a:lvl2pPr>
-            <a:lvl3pPr marL="837042" indent="0">
-              <a:buNone/>
-              <a:defRPr sz="1098"/>
             </a:lvl3pPr>
-            <a:lvl4pPr marL="1255563" indent="0">
-              <a:buNone/>
-              <a:defRPr sz="915"/>
+            <a:lvl4pPr marL="1674038" indent="0">
+              <a:buNone/>
+              <a:defRPr sz="1221"/>
             </a:lvl4pPr>
-            <a:lvl5pPr marL="1674084" indent="0">
-              <a:buNone/>
-              <a:defRPr sz="915"/>
+            <a:lvl5pPr marL="2232050" indent="0">
+              <a:buNone/>
+              <a:defRPr sz="1221"/>
             </a:lvl5pPr>
-            <a:lvl6pPr marL="2092604" indent="0">
-              <a:buNone/>
-              <a:defRPr sz="915"/>
+            <a:lvl6pPr marL="2790063" indent="0">
+              <a:buNone/>
+              <a:defRPr sz="1221"/>
             </a:lvl6pPr>
-            <a:lvl7pPr marL="2511125" indent="0">
-              <a:buNone/>
-              <a:defRPr sz="915"/>
+            <a:lvl7pPr marL="3348076" indent="0">
+              <a:buNone/>
+              <a:defRPr sz="1221"/>
             </a:lvl7pPr>
-            <a:lvl8pPr marL="2929646" indent="0">
-              <a:buNone/>
-              <a:defRPr sz="915"/>
+            <a:lvl8pPr marL="3906088" indent="0">
+              <a:buNone/>
+              <a:defRPr sz="1221"/>
             </a:lvl8pPr>
-            <a:lvl9pPr marL="3348167" indent="0">
-              <a:buNone/>
-              <a:defRPr sz="915"/>
+            <a:lvl9pPr marL="4464101" indent="0">
+              <a:buNone/>
+              <a:defRPr sz="1221"/>
             </a:lvl9pPr>
           </a:lstStyle>
           <a:p>
@@ -2098,7 +2096,7 @@
           <a:p>
             <a:fld id="{2313E746-7D2A-1341-8427-665C42FE66A6}" type="datetimeFigureOut">
               <a:rPr lang="en-US" smtClean="0"/>
-              <a:t>6/11/25</a:t>
+              <a:t>12/16/25</a:t>
             </a:fld>
             <a:endParaRPr lang="en-US"/>
           </a:p>
@@ -2149,7 +2147,7 @@
     </p:spTree>
     <p:extLst>
       <p:ext uri="{BB962C8B-B14F-4D97-AF65-F5344CB8AC3E}">
-        <p14:creationId xmlns:p14="http://schemas.microsoft.com/office/powerpoint/2010/main" val="2780178106"/>
+        <p14:creationId xmlns:p14="http://schemas.microsoft.com/office/powerpoint/2010/main" val="1078862371"/>
       </p:ext>
     </p:extLst>
   </p:cSld>
@@ -2188,15 +2186,15 @@
         </p:nvSpPr>
         <p:spPr>
           <a:xfrm>
-            <a:off x="768713" y="456036"/>
-            <a:ext cx="3599430" cy="1596126"/>
+            <a:off x="768712" y="791951"/>
+            <a:ext cx="3599431" cy="2771828"/>
           </a:xfrm>
         </p:spPr>
         <p:txBody>
           <a:bodyPr anchor="b"/>
           <a:lstStyle>
             <a:lvl1pPr>
-              <a:defRPr sz="2929"/>
+              <a:defRPr sz="3906"/>
             </a:lvl1pPr>
           </a:lstStyle>
           <a:p>
@@ -2220,8 +2218,8 @@
         </p:nvSpPr>
         <p:spPr>
           <a:xfrm>
-            <a:off x="4744507" y="984911"/>
-            <a:ext cx="5649813" cy="4861216"/>
+            <a:off x="4744507" y="1710397"/>
+            <a:ext cx="5649813" cy="8441976"/>
           </a:xfrm>
         </p:spPr>
         <p:txBody>
@@ -2229,39 +2227,39 @@
           <a:lstStyle>
             <a:lvl1pPr marL="0" indent="0">
               <a:buNone/>
+              <a:defRPr sz="3906"/>
+            </a:lvl1pPr>
+            <a:lvl2pPr marL="558013" indent="0">
+              <a:buNone/>
+              <a:defRPr sz="3417"/>
+            </a:lvl2pPr>
+            <a:lvl3pPr marL="1116025" indent="0">
+              <a:buNone/>
               <a:defRPr sz="2929"/>
-            </a:lvl1pPr>
-            <a:lvl2pPr marL="418521" indent="0">
-              <a:buNone/>
-              <a:defRPr sz="2563"/>
-            </a:lvl2pPr>
-            <a:lvl3pPr marL="837042" indent="0">
-              <a:buNone/>
-              <a:defRPr sz="2197"/>
             </a:lvl3pPr>
-            <a:lvl4pPr marL="1255563" indent="0">
-              <a:buNone/>
-              <a:defRPr sz="1831"/>
+            <a:lvl4pPr marL="1674038" indent="0">
+              <a:buNone/>
+              <a:defRPr sz="2441"/>
             </a:lvl4pPr>
-            <a:lvl5pPr marL="1674084" indent="0">
-              <a:buNone/>
-              <a:defRPr sz="1831"/>
+            <a:lvl5pPr marL="2232050" indent="0">
+              <a:buNone/>
+              <a:defRPr sz="2441"/>
             </a:lvl5pPr>
-            <a:lvl6pPr marL="2092604" indent="0">
-              <a:buNone/>
-              <a:defRPr sz="1831"/>
+            <a:lvl6pPr marL="2790063" indent="0">
+              <a:buNone/>
+              <a:defRPr sz="2441"/>
             </a:lvl6pPr>
-            <a:lvl7pPr marL="2511125" indent="0">
-              <a:buNone/>
-              <a:defRPr sz="1831"/>
+            <a:lvl7pPr marL="3348076" indent="0">
+              <a:buNone/>
+              <a:defRPr sz="2441"/>
             </a:lvl7pPr>
-            <a:lvl8pPr marL="2929646" indent="0">
-              <a:buNone/>
-              <a:defRPr sz="1831"/>
+            <a:lvl8pPr marL="3906088" indent="0">
+              <a:buNone/>
+              <a:defRPr sz="2441"/>
             </a:lvl8pPr>
-            <a:lvl9pPr marL="3348167" indent="0">
-              <a:buNone/>
-              <a:defRPr sz="1831"/>
+            <a:lvl9pPr marL="4464101" indent="0">
+              <a:buNone/>
+              <a:defRPr sz="2441"/>
             </a:lvl9pPr>
           </a:lstStyle>
           <a:p>
@@ -2285,8 +2283,8 @@
         </p:nvSpPr>
         <p:spPr>
           <a:xfrm>
-            <a:off x="768713" y="2052161"/>
-            <a:ext cx="3599430" cy="3801883"/>
+            <a:off x="768712" y="3563779"/>
+            <a:ext cx="3599431" cy="6602341"/>
           </a:xfrm>
         </p:spPr>
         <p:txBody>
@@ -2294,39 +2292,39 @@
           <a:lstStyle>
             <a:lvl1pPr marL="0" indent="0">
               <a:buNone/>
+              <a:defRPr sz="1953"/>
+            </a:lvl1pPr>
+            <a:lvl2pPr marL="558013" indent="0">
+              <a:buNone/>
+              <a:defRPr sz="1709"/>
+            </a:lvl2pPr>
+            <a:lvl3pPr marL="1116025" indent="0">
+              <a:buNone/>
               <a:defRPr sz="1465"/>
-            </a:lvl1pPr>
-            <a:lvl2pPr marL="418521" indent="0">
-              <a:buNone/>
-              <a:defRPr sz="1282"/>
-            </a:lvl2pPr>
-            <a:lvl3pPr marL="837042" indent="0">
-              <a:buNone/>
-              <a:defRPr sz="1098"/>
             </a:lvl3pPr>
-            <a:lvl4pPr marL="1255563" indent="0">
-              <a:buNone/>
-              <a:defRPr sz="915"/>
+            <a:lvl4pPr marL="1674038" indent="0">
+              <a:buNone/>
+              <a:defRPr sz="1221"/>
             </a:lvl4pPr>
-            <a:lvl5pPr marL="1674084" indent="0">
-              <a:buNone/>
-              <a:defRPr sz="915"/>
+            <a:lvl5pPr marL="2232050" indent="0">
+              <a:buNone/>
+              <a:defRPr sz="1221"/>
             </a:lvl5pPr>
-            <a:lvl6pPr marL="2092604" indent="0">
-              <a:buNone/>
-              <a:defRPr sz="915"/>
+            <a:lvl6pPr marL="2790063" indent="0">
+              <a:buNone/>
+              <a:defRPr sz="1221"/>
             </a:lvl6pPr>
-            <a:lvl7pPr marL="2511125" indent="0">
-              <a:buNone/>
-              <a:defRPr sz="915"/>
+            <a:lvl7pPr marL="3348076" indent="0">
+              <a:buNone/>
+              <a:defRPr sz="1221"/>
             </a:lvl7pPr>
-            <a:lvl8pPr marL="2929646" indent="0">
-              <a:buNone/>
-              <a:defRPr sz="915"/>
+            <a:lvl8pPr marL="3906088" indent="0">
+              <a:buNone/>
+              <a:defRPr sz="1221"/>
             </a:lvl8pPr>
-            <a:lvl9pPr marL="3348167" indent="0">
-              <a:buNone/>
-              <a:defRPr sz="915"/>
+            <a:lvl9pPr marL="4464101" indent="0">
+              <a:buNone/>
+              <a:defRPr sz="1221"/>
             </a:lvl9pPr>
           </a:lstStyle>
           <a:p>
@@ -2355,7 +2353,7 @@
           <a:p>
             <a:fld id="{2313E746-7D2A-1341-8427-665C42FE66A6}" type="datetimeFigureOut">
               <a:rPr lang="en-US" smtClean="0"/>
-              <a:t>6/11/25</a:t>
+              <a:t>12/16/25</a:t>
             </a:fld>
             <a:endParaRPr lang="en-US"/>
           </a:p>
@@ -2406,7 +2404,7 @@
     </p:spTree>
     <p:extLst>
       <p:ext uri="{BB962C8B-B14F-4D97-AF65-F5344CB8AC3E}">
-        <p14:creationId xmlns:p14="http://schemas.microsoft.com/office/powerpoint/2010/main" val="3906473383"/>
+        <p14:creationId xmlns:p14="http://schemas.microsoft.com/office/powerpoint/2010/main" val="1746192187"/>
       </p:ext>
     </p:extLst>
   </p:cSld>
@@ -2450,8 +2448,8 @@
         </p:nvSpPr>
         <p:spPr>
           <a:xfrm>
-            <a:off x="767259" y="364196"/>
-            <a:ext cx="9625608" cy="1322188"/>
+            <a:off x="767259" y="632464"/>
+            <a:ext cx="9625608" cy="2296108"/>
           </a:xfrm>
           <a:prstGeom prst="rect">
             <a:avLst/>
@@ -2483,8 +2481,8 @@
         </p:nvSpPr>
         <p:spPr>
           <a:xfrm>
-            <a:off x="767259" y="1820976"/>
-            <a:ext cx="9625608" cy="4340259"/>
+            <a:off x="767259" y="3162304"/>
+            <a:ext cx="9625608" cy="7537283"/>
           </a:xfrm>
           <a:prstGeom prst="rect">
             <a:avLst/>
@@ -2545,8 +2543,8 @@
         </p:nvSpPr>
         <p:spPr>
           <a:xfrm>
-            <a:off x="767259" y="6340166"/>
-            <a:ext cx="2511028" cy="364195"/>
+            <a:off x="767259" y="11010319"/>
+            <a:ext cx="2511028" cy="632461"/>
           </a:xfrm>
           <a:prstGeom prst="rect">
             <a:avLst/>
@@ -2556,7 +2554,7 @@
           <a:bodyPr vert="horz" lIns="91440" tIns="45720" rIns="91440" bIns="45720" rtlCol="0" anchor="ctr"/>
           <a:lstStyle>
             <a:lvl1pPr algn="l">
-              <a:defRPr sz="1098">
+              <a:defRPr sz="1465">
                 <a:solidFill>
                   <a:schemeClr val="tx1">
                     <a:tint val="75000"/>
@@ -2568,7 +2566,7 @@
           <a:p>
             <a:fld id="{2313E746-7D2A-1341-8427-665C42FE66A6}" type="datetimeFigureOut">
               <a:rPr lang="en-US" smtClean="0"/>
-              <a:t>6/11/25</a:t>
+              <a:t>12/16/25</a:t>
             </a:fld>
             <a:endParaRPr lang="en-US"/>
           </a:p>
@@ -2586,8 +2584,8 @@
         </p:nvSpPr>
         <p:spPr>
           <a:xfrm>
-            <a:off x="3696792" y="6340166"/>
-            <a:ext cx="3766542" cy="364195"/>
+            <a:off x="3696792" y="11010319"/>
+            <a:ext cx="3766542" cy="632461"/>
           </a:xfrm>
           <a:prstGeom prst="rect">
             <a:avLst/>
@@ -2597,7 +2595,7 @@
           <a:bodyPr vert="horz" lIns="91440" tIns="45720" rIns="91440" bIns="45720" rtlCol="0" anchor="ctr"/>
           <a:lstStyle>
             <a:lvl1pPr algn="ctr">
-              <a:defRPr sz="1098">
+              <a:defRPr sz="1465">
                 <a:solidFill>
                   <a:schemeClr val="tx1">
                     <a:tint val="75000"/>
@@ -2623,8 +2621,8 @@
         </p:nvSpPr>
         <p:spPr>
           <a:xfrm>
-            <a:off x="7881838" y="6340166"/>
-            <a:ext cx="2511028" cy="364195"/>
+            <a:off x="7881838" y="11010319"/>
+            <a:ext cx="2511028" cy="632461"/>
           </a:xfrm>
           <a:prstGeom prst="rect">
             <a:avLst/>
@@ -2634,7 +2632,7 @@
           <a:bodyPr vert="horz" lIns="91440" tIns="45720" rIns="91440" bIns="45720" rtlCol="0" anchor="ctr"/>
           <a:lstStyle>
             <a:lvl1pPr algn="r">
-              <a:defRPr sz="1098">
+              <a:defRPr sz="1465">
                 <a:solidFill>
                   <a:schemeClr val="tx1">
                     <a:tint val="75000"/>
@@ -2655,27 +2653,27 @@
     </p:spTree>
     <p:extLst>
       <p:ext uri="{BB962C8B-B14F-4D97-AF65-F5344CB8AC3E}">
-        <p14:creationId xmlns:p14="http://schemas.microsoft.com/office/powerpoint/2010/main" val="2112113139"/>
+        <p14:creationId xmlns:p14="http://schemas.microsoft.com/office/powerpoint/2010/main" val="1696621453"/>
       </p:ext>
     </p:extLst>
   </p:cSld>
   <p:clrMap bg1="lt1" tx1="dk1" bg2="lt2" tx2="dk2" accent1="accent1" accent2="accent2" accent3="accent3" accent4="accent4" accent5="accent5" accent6="accent6" hlink="hlink" folHlink="folHlink"/>
   <p:sldLayoutIdLst>
-    <p:sldLayoutId id="2147483685" r:id="rId1"/>
-    <p:sldLayoutId id="2147483686" r:id="rId2"/>
-    <p:sldLayoutId id="2147483687" r:id="rId3"/>
-    <p:sldLayoutId id="2147483688" r:id="rId4"/>
-    <p:sldLayoutId id="2147483689" r:id="rId5"/>
-    <p:sldLayoutId id="2147483690" r:id="rId6"/>
-    <p:sldLayoutId id="2147483691" r:id="rId7"/>
-    <p:sldLayoutId id="2147483692" r:id="rId8"/>
-    <p:sldLayoutId id="2147483693" r:id="rId9"/>
-    <p:sldLayoutId id="2147483694" r:id="rId10"/>
-    <p:sldLayoutId id="2147483695" r:id="rId11"/>
+    <p:sldLayoutId id="2147483745" r:id="rId1"/>
+    <p:sldLayoutId id="2147483746" r:id="rId2"/>
+    <p:sldLayoutId id="2147483747" r:id="rId3"/>
+    <p:sldLayoutId id="2147483748" r:id="rId4"/>
+    <p:sldLayoutId id="2147483749" r:id="rId5"/>
+    <p:sldLayoutId id="2147483750" r:id="rId6"/>
+    <p:sldLayoutId id="2147483751" r:id="rId7"/>
+    <p:sldLayoutId id="2147483752" r:id="rId8"/>
+    <p:sldLayoutId id="2147483753" r:id="rId9"/>
+    <p:sldLayoutId id="2147483754" r:id="rId10"/>
+    <p:sldLayoutId id="2147483755" r:id="rId11"/>
   </p:sldLayoutIdLst>
   <p:txStyles>
     <p:titleStyle>
-      <a:lvl1pPr algn="l" defTabSz="837042" rtl="0" eaLnBrk="1" latinLnBrk="0" hangingPunct="1">
+      <a:lvl1pPr algn="l" defTabSz="1116025" rtl="0" eaLnBrk="1" latinLnBrk="0" hangingPunct="1">
         <a:lnSpc>
           <a:spcPct val="90000"/>
         </a:lnSpc>
@@ -2683,7 +2681,7 @@
           <a:spcPct val="0"/>
         </a:spcBef>
         <a:buNone/>
-        <a:defRPr sz="4028" kern="1200">
+        <a:defRPr sz="5370" kern="1200">
           <a:solidFill>
             <a:schemeClr val="tx1"/>
           </a:solidFill>
@@ -2694,16 +2692,16 @@
       </a:lvl1pPr>
     </p:titleStyle>
     <p:bodyStyle>
-      <a:lvl1pPr marL="209260" indent="-209260" algn="l" defTabSz="837042" rtl="0" eaLnBrk="1" latinLnBrk="0" hangingPunct="1">
+      <a:lvl1pPr marL="279006" indent="-279006" algn="l" defTabSz="1116025" rtl="0" eaLnBrk="1" latinLnBrk="0" hangingPunct="1">
         <a:lnSpc>
           <a:spcPct val="90000"/>
         </a:lnSpc>
         <a:spcBef>
-          <a:spcPts val="915"/>
+          <a:spcPts val="1221"/>
         </a:spcBef>
         <a:buFont typeface="Arial" panose="020B0604020202020204" pitchFamily="34" charset="0"/>
         <a:buChar char="•"/>
-        <a:defRPr sz="2563" kern="1200">
+        <a:defRPr sz="3417" kern="1200">
           <a:solidFill>
             <a:schemeClr val="tx1"/>
           </a:solidFill>
@@ -2712,12 +2710,48 @@
           <a:cs typeface="+mn-cs"/>
         </a:defRPr>
       </a:lvl1pPr>
-      <a:lvl2pPr marL="627781" indent="-209260" algn="l" defTabSz="837042" rtl="0" eaLnBrk="1" latinLnBrk="0" hangingPunct="1">
+      <a:lvl2pPr marL="837019" indent="-279006" algn="l" defTabSz="1116025" rtl="0" eaLnBrk="1" latinLnBrk="0" hangingPunct="1">
         <a:lnSpc>
           <a:spcPct val="90000"/>
         </a:lnSpc>
         <a:spcBef>
-          <a:spcPts val="458"/>
+          <a:spcPts val="610"/>
+        </a:spcBef>
+        <a:buFont typeface="Arial" panose="020B0604020202020204" pitchFamily="34" charset="0"/>
+        <a:buChar char="•"/>
+        <a:defRPr sz="2929" kern="1200">
+          <a:solidFill>
+            <a:schemeClr val="tx1"/>
+          </a:solidFill>
+          <a:latin typeface="+mn-lt"/>
+          <a:ea typeface="+mn-ea"/>
+          <a:cs typeface="+mn-cs"/>
+        </a:defRPr>
+      </a:lvl2pPr>
+      <a:lvl3pPr marL="1395032" indent="-279006" algn="l" defTabSz="1116025" rtl="0" eaLnBrk="1" latinLnBrk="0" hangingPunct="1">
+        <a:lnSpc>
+          <a:spcPct val="90000"/>
+        </a:lnSpc>
+        <a:spcBef>
+          <a:spcPts val="610"/>
+        </a:spcBef>
+        <a:buFont typeface="Arial" panose="020B0604020202020204" pitchFamily="34" charset="0"/>
+        <a:buChar char="•"/>
+        <a:defRPr sz="2441" kern="1200">
+          <a:solidFill>
+            <a:schemeClr val="tx1"/>
+          </a:solidFill>
+          <a:latin typeface="+mn-lt"/>
+          <a:ea typeface="+mn-ea"/>
+          <a:cs typeface="+mn-cs"/>
+        </a:defRPr>
+      </a:lvl3pPr>
+      <a:lvl4pPr marL="1953044" indent="-279006" algn="l" defTabSz="1116025" rtl="0" eaLnBrk="1" latinLnBrk="0" hangingPunct="1">
+        <a:lnSpc>
+          <a:spcPct val="90000"/>
+        </a:lnSpc>
+        <a:spcBef>
+          <a:spcPts val="610"/>
         </a:spcBef>
         <a:buFont typeface="Arial" panose="020B0604020202020204" pitchFamily="34" charset="0"/>
         <a:buChar char="•"/>
@@ -2729,53 +2763,17 @@
           <a:ea typeface="+mn-ea"/>
           <a:cs typeface="+mn-cs"/>
         </a:defRPr>
-      </a:lvl2pPr>
-      <a:lvl3pPr marL="1046302" indent="-209260" algn="l" defTabSz="837042" rtl="0" eaLnBrk="1" latinLnBrk="0" hangingPunct="1">
+      </a:lvl4pPr>
+      <a:lvl5pPr marL="2511057" indent="-279006" algn="l" defTabSz="1116025" rtl="0" eaLnBrk="1" latinLnBrk="0" hangingPunct="1">
         <a:lnSpc>
           <a:spcPct val="90000"/>
         </a:lnSpc>
         <a:spcBef>
-          <a:spcPts val="458"/>
+          <a:spcPts val="610"/>
         </a:spcBef>
         <a:buFont typeface="Arial" panose="020B0604020202020204" pitchFamily="34" charset="0"/>
         <a:buChar char="•"/>
-        <a:defRPr sz="1831" kern="1200">
-          <a:solidFill>
-            <a:schemeClr val="tx1"/>
-          </a:solidFill>
-          <a:latin typeface="+mn-lt"/>
-          <a:ea typeface="+mn-ea"/>
-          <a:cs typeface="+mn-cs"/>
-        </a:defRPr>
-      </a:lvl3pPr>
-      <a:lvl4pPr marL="1464823" indent="-209260" algn="l" defTabSz="837042" rtl="0" eaLnBrk="1" latinLnBrk="0" hangingPunct="1">
-        <a:lnSpc>
-          <a:spcPct val="90000"/>
-        </a:lnSpc>
-        <a:spcBef>
-          <a:spcPts val="458"/>
-        </a:spcBef>
-        <a:buFont typeface="Arial" panose="020B0604020202020204" pitchFamily="34" charset="0"/>
-        <a:buChar char="•"/>
-        <a:defRPr sz="1648" kern="1200">
-          <a:solidFill>
-            <a:schemeClr val="tx1"/>
-          </a:solidFill>
-          <a:latin typeface="+mn-lt"/>
-          <a:ea typeface="+mn-ea"/>
-          <a:cs typeface="+mn-cs"/>
-        </a:defRPr>
-      </a:lvl4pPr>
-      <a:lvl5pPr marL="1883344" indent="-209260" algn="l" defTabSz="837042" rtl="0" eaLnBrk="1" latinLnBrk="0" hangingPunct="1">
-        <a:lnSpc>
-          <a:spcPct val="90000"/>
-        </a:lnSpc>
-        <a:spcBef>
-          <a:spcPts val="458"/>
-        </a:spcBef>
-        <a:buFont typeface="Arial" panose="020B0604020202020204" pitchFamily="34" charset="0"/>
-        <a:buChar char="•"/>
-        <a:defRPr sz="1648" kern="1200">
+        <a:defRPr sz="2197" kern="1200">
           <a:solidFill>
             <a:schemeClr val="tx1"/>
           </a:solidFill>
@@ -2784,16 +2782,16 @@
           <a:cs typeface="+mn-cs"/>
         </a:defRPr>
       </a:lvl5pPr>
-      <a:lvl6pPr marL="2301865" indent="-209260" algn="l" defTabSz="837042" rtl="0" eaLnBrk="1" latinLnBrk="0" hangingPunct="1">
+      <a:lvl6pPr marL="3069069" indent="-279006" algn="l" defTabSz="1116025" rtl="0" eaLnBrk="1" latinLnBrk="0" hangingPunct="1">
         <a:lnSpc>
           <a:spcPct val="90000"/>
         </a:lnSpc>
         <a:spcBef>
-          <a:spcPts val="458"/>
+          <a:spcPts val="610"/>
         </a:spcBef>
         <a:buFont typeface="Arial" panose="020B0604020202020204" pitchFamily="34" charset="0"/>
         <a:buChar char="•"/>
-        <a:defRPr sz="1648" kern="1200">
+        <a:defRPr sz="2197" kern="1200">
           <a:solidFill>
             <a:schemeClr val="tx1"/>
           </a:solidFill>
@@ -2802,16 +2800,16 @@
           <a:cs typeface="+mn-cs"/>
         </a:defRPr>
       </a:lvl6pPr>
-      <a:lvl7pPr marL="2720386" indent="-209260" algn="l" defTabSz="837042" rtl="0" eaLnBrk="1" latinLnBrk="0" hangingPunct="1">
+      <a:lvl7pPr marL="3627082" indent="-279006" algn="l" defTabSz="1116025" rtl="0" eaLnBrk="1" latinLnBrk="0" hangingPunct="1">
         <a:lnSpc>
           <a:spcPct val="90000"/>
         </a:lnSpc>
         <a:spcBef>
-          <a:spcPts val="458"/>
+          <a:spcPts val="610"/>
         </a:spcBef>
         <a:buFont typeface="Arial" panose="020B0604020202020204" pitchFamily="34" charset="0"/>
         <a:buChar char="•"/>
-        <a:defRPr sz="1648" kern="1200">
+        <a:defRPr sz="2197" kern="1200">
           <a:solidFill>
             <a:schemeClr val="tx1"/>
           </a:solidFill>
@@ -2820,16 +2818,16 @@
           <a:cs typeface="+mn-cs"/>
         </a:defRPr>
       </a:lvl7pPr>
-      <a:lvl8pPr marL="3138907" indent="-209260" algn="l" defTabSz="837042" rtl="0" eaLnBrk="1" latinLnBrk="0" hangingPunct="1">
+      <a:lvl8pPr marL="4185095" indent="-279006" algn="l" defTabSz="1116025" rtl="0" eaLnBrk="1" latinLnBrk="0" hangingPunct="1">
         <a:lnSpc>
           <a:spcPct val="90000"/>
         </a:lnSpc>
         <a:spcBef>
-          <a:spcPts val="458"/>
+          <a:spcPts val="610"/>
         </a:spcBef>
         <a:buFont typeface="Arial" panose="020B0604020202020204" pitchFamily="34" charset="0"/>
         <a:buChar char="•"/>
-        <a:defRPr sz="1648" kern="1200">
+        <a:defRPr sz="2197" kern="1200">
           <a:solidFill>
             <a:schemeClr val="tx1"/>
           </a:solidFill>
@@ -2838,16 +2836,16 @@
           <a:cs typeface="+mn-cs"/>
         </a:defRPr>
       </a:lvl8pPr>
-      <a:lvl9pPr marL="3557427" indent="-209260" algn="l" defTabSz="837042" rtl="0" eaLnBrk="1" latinLnBrk="0" hangingPunct="1">
+      <a:lvl9pPr marL="4743107" indent="-279006" algn="l" defTabSz="1116025" rtl="0" eaLnBrk="1" latinLnBrk="0" hangingPunct="1">
         <a:lnSpc>
           <a:spcPct val="90000"/>
         </a:lnSpc>
         <a:spcBef>
-          <a:spcPts val="458"/>
+          <a:spcPts val="610"/>
         </a:spcBef>
         <a:buFont typeface="Arial" panose="020B0604020202020204" pitchFamily="34" charset="0"/>
         <a:buChar char="•"/>
-        <a:defRPr sz="1648" kern="1200">
+        <a:defRPr sz="2197" kern="1200">
           <a:solidFill>
             <a:schemeClr val="tx1"/>
           </a:solidFill>
@@ -2861,8 +2859,8 @@
       <a:defPPr>
         <a:defRPr lang="en-US"/>
       </a:defPPr>
-      <a:lvl1pPr marL="0" algn="l" defTabSz="837042" rtl="0" eaLnBrk="1" latinLnBrk="0" hangingPunct="1">
-        <a:defRPr sz="1648" kern="1200">
+      <a:lvl1pPr marL="0" algn="l" defTabSz="1116025" rtl="0" eaLnBrk="1" latinLnBrk="0" hangingPunct="1">
+        <a:defRPr sz="2197" kern="1200">
           <a:solidFill>
             <a:schemeClr val="tx1"/>
           </a:solidFill>
@@ -2871,8 +2869,8 @@
           <a:cs typeface="+mn-cs"/>
         </a:defRPr>
       </a:lvl1pPr>
-      <a:lvl2pPr marL="418521" algn="l" defTabSz="837042" rtl="0" eaLnBrk="1" latinLnBrk="0" hangingPunct="1">
-        <a:defRPr sz="1648" kern="1200">
+      <a:lvl2pPr marL="558013" algn="l" defTabSz="1116025" rtl="0" eaLnBrk="1" latinLnBrk="0" hangingPunct="1">
+        <a:defRPr sz="2197" kern="1200">
           <a:solidFill>
             <a:schemeClr val="tx1"/>
           </a:solidFill>
@@ -2881,8 +2879,8 @@
           <a:cs typeface="+mn-cs"/>
         </a:defRPr>
       </a:lvl2pPr>
-      <a:lvl3pPr marL="837042" algn="l" defTabSz="837042" rtl="0" eaLnBrk="1" latinLnBrk="0" hangingPunct="1">
-        <a:defRPr sz="1648" kern="1200">
+      <a:lvl3pPr marL="1116025" algn="l" defTabSz="1116025" rtl="0" eaLnBrk="1" latinLnBrk="0" hangingPunct="1">
+        <a:defRPr sz="2197" kern="1200">
           <a:solidFill>
             <a:schemeClr val="tx1"/>
           </a:solidFill>
@@ -2891,8 +2889,8 @@
           <a:cs typeface="+mn-cs"/>
         </a:defRPr>
       </a:lvl3pPr>
-      <a:lvl4pPr marL="1255563" algn="l" defTabSz="837042" rtl="0" eaLnBrk="1" latinLnBrk="0" hangingPunct="1">
-        <a:defRPr sz="1648" kern="1200">
+      <a:lvl4pPr marL="1674038" algn="l" defTabSz="1116025" rtl="0" eaLnBrk="1" latinLnBrk="0" hangingPunct="1">
+        <a:defRPr sz="2197" kern="1200">
           <a:solidFill>
             <a:schemeClr val="tx1"/>
           </a:solidFill>
@@ -2901,8 +2899,8 @@
           <a:cs typeface="+mn-cs"/>
         </a:defRPr>
       </a:lvl4pPr>
-      <a:lvl5pPr marL="1674084" algn="l" defTabSz="837042" rtl="0" eaLnBrk="1" latinLnBrk="0" hangingPunct="1">
-        <a:defRPr sz="1648" kern="1200">
+      <a:lvl5pPr marL="2232050" algn="l" defTabSz="1116025" rtl="0" eaLnBrk="1" latinLnBrk="0" hangingPunct="1">
+        <a:defRPr sz="2197" kern="1200">
           <a:solidFill>
             <a:schemeClr val="tx1"/>
           </a:solidFill>
@@ -2911,8 +2909,8 @@
           <a:cs typeface="+mn-cs"/>
         </a:defRPr>
       </a:lvl5pPr>
-      <a:lvl6pPr marL="2092604" algn="l" defTabSz="837042" rtl="0" eaLnBrk="1" latinLnBrk="0" hangingPunct="1">
-        <a:defRPr sz="1648" kern="1200">
+      <a:lvl6pPr marL="2790063" algn="l" defTabSz="1116025" rtl="0" eaLnBrk="1" latinLnBrk="0" hangingPunct="1">
+        <a:defRPr sz="2197" kern="1200">
           <a:solidFill>
             <a:schemeClr val="tx1"/>
           </a:solidFill>
@@ -2921,8 +2919,8 @@
           <a:cs typeface="+mn-cs"/>
         </a:defRPr>
       </a:lvl6pPr>
-      <a:lvl7pPr marL="2511125" algn="l" defTabSz="837042" rtl="0" eaLnBrk="1" latinLnBrk="0" hangingPunct="1">
-        <a:defRPr sz="1648" kern="1200">
+      <a:lvl7pPr marL="3348076" algn="l" defTabSz="1116025" rtl="0" eaLnBrk="1" latinLnBrk="0" hangingPunct="1">
+        <a:defRPr sz="2197" kern="1200">
           <a:solidFill>
             <a:schemeClr val="tx1"/>
           </a:solidFill>
@@ -2931,8 +2929,8 @@
           <a:cs typeface="+mn-cs"/>
         </a:defRPr>
       </a:lvl7pPr>
-      <a:lvl8pPr marL="2929646" algn="l" defTabSz="837042" rtl="0" eaLnBrk="1" latinLnBrk="0" hangingPunct="1">
-        <a:defRPr sz="1648" kern="1200">
+      <a:lvl8pPr marL="3906088" algn="l" defTabSz="1116025" rtl="0" eaLnBrk="1" latinLnBrk="0" hangingPunct="1">
+        <a:defRPr sz="2197" kern="1200">
           <a:solidFill>
             <a:schemeClr val="tx1"/>
           </a:solidFill>
@@ -2941,8 +2939,8 @@
           <a:cs typeface="+mn-cs"/>
         </a:defRPr>
       </a:lvl8pPr>
-      <a:lvl9pPr marL="3348167" algn="l" defTabSz="837042" rtl="0" eaLnBrk="1" latinLnBrk="0" hangingPunct="1">
-        <a:defRPr sz="1648" kern="1200">
+      <a:lvl9pPr marL="4464101" algn="l" defTabSz="1116025" rtl="0" eaLnBrk="1" latinLnBrk="0" hangingPunct="1">
+        <a:defRPr sz="2197" kern="1200">
           <a:solidFill>
             <a:schemeClr val="tx1"/>
           </a:solidFill>
@@ -2995,8 +2993,8 @@
         </p:blipFill>
         <p:spPr>
           <a:xfrm>
-            <a:off x="74612" y="4499769"/>
-            <a:ext cx="3238499" cy="2158999"/>
+            <a:off x="18501" y="161892"/>
+            <a:ext cx="3648759" cy="2432506"/>
           </a:xfrm>
           <a:prstGeom prst="rect">
             <a:avLst/>
@@ -3025,8 +3023,8 @@
         </p:blipFill>
         <p:spPr>
           <a:xfrm>
-            <a:off x="74612" y="2340770"/>
-            <a:ext cx="3238499" cy="2158999"/>
+            <a:off x="3764934" y="200680"/>
+            <a:ext cx="3648759" cy="2432506"/>
           </a:xfrm>
           <a:prstGeom prst="rect">
             <a:avLst/>
@@ -3055,8 +3053,8 @@
         </p:blipFill>
         <p:spPr>
           <a:xfrm>
-            <a:off x="74612" y="181770"/>
-            <a:ext cx="3238499" cy="2158999"/>
+            <a:off x="7511367" y="200680"/>
+            <a:ext cx="3648759" cy="2432506"/>
           </a:xfrm>
           <a:prstGeom prst="rect">
             <a:avLst/>
@@ -3077,7 +3075,7 @@
         </p:nvSpPr>
         <p:spPr>
           <a:xfrm>
-            <a:off x="74612" y="181768"/>
+            <a:off x="-2" y="123102"/>
             <a:ext cx="599090" cy="338554"/>
           </a:xfrm>
           <a:prstGeom prst="rect">
@@ -3112,7 +3110,7 @@
         </p:nvSpPr>
         <p:spPr>
           <a:xfrm>
-            <a:off x="74612" y="2256684"/>
+            <a:off x="3685757" y="123102"/>
             <a:ext cx="599090" cy="338554"/>
           </a:xfrm>
           <a:prstGeom prst="rect">
@@ -3147,7 +3145,7 @@
         </p:nvSpPr>
         <p:spPr>
           <a:xfrm>
-            <a:off x="74612" y="4451594"/>
+            <a:off x="7511364" y="123102"/>
             <a:ext cx="599090" cy="338554"/>
           </a:xfrm>
           <a:prstGeom prst="rect">
@@ -3190,8 +3188,8 @@
         </p:blipFill>
         <p:spPr>
           <a:xfrm>
-            <a:off x="3313111" y="181768"/>
-            <a:ext cx="7772400" cy="2159000"/>
+            <a:off x="-2" y="2633191"/>
+            <a:ext cx="11160125" cy="3100035"/>
           </a:xfrm>
           <a:prstGeom prst="rect">
             <a:avLst/>
@@ -3220,8 +3218,8 @@
         </p:blipFill>
         <p:spPr>
           <a:xfrm>
-            <a:off x="3313111" y="2256680"/>
-            <a:ext cx="7772400" cy="2159000"/>
+            <a:off x="-1" y="5733228"/>
+            <a:ext cx="11160125" cy="3100035"/>
           </a:xfrm>
           <a:prstGeom prst="rect">
             <a:avLst/>
@@ -3250,14 +3248,119 @@
         </p:blipFill>
         <p:spPr>
           <a:xfrm>
-            <a:off x="3313111" y="4415682"/>
-            <a:ext cx="7772400" cy="2159000"/>
+            <a:off x="18498" y="8833262"/>
+            <a:ext cx="11141626" cy="3094896"/>
           </a:xfrm>
           <a:prstGeom prst="rect">
             <a:avLst/>
           </a:prstGeom>
         </p:spPr>
       </p:pic>
+      <p:sp>
+        <p:nvSpPr>
+          <p:cNvPr id="2" name="TextBox 1">
+            <a:extLst>
+              <a:ext uri="{FF2B5EF4-FFF2-40B4-BE49-F238E27FC236}">
+                <a16:creationId xmlns:a16="http://schemas.microsoft.com/office/drawing/2014/main" id="{63B47ABB-23B5-852F-59AD-9AB93D43C424}"/>
+              </a:ext>
+            </a:extLst>
+          </p:cNvPr>
+          <p:cNvSpPr txBox="1"/>
+          <p:nvPr/>
+        </p:nvSpPr>
+        <p:spPr>
+          <a:xfrm>
+            <a:off x="18497" y="2555552"/>
+            <a:ext cx="599090" cy="338554"/>
+          </a:xfrm>
+          <a:prstGeom prst="rect">
+            <a:avLst/>
+          </a:prstGeom>
+          <a:noFill/>
+        </p:spPr>
+        <p:txBody>
+          <a:bodyPr wrap="square" rtlCol="0">
+            <a:spAutoFit/>
+          </a:bodyPr>
+          <a:lstStyle/>
+          <a:p>
+            <a:r>
+              <a:rPr lang="en-US" sz="1600" b="1" dirty="0"/>
+              <a:t>D</a:t>
+            </a:r>
+          </a:p>
+        </p:txBody>
+      </p:sp>
+      <p:sp>
+        <p:nvSpPr>
+          <p:cNvPr id="4" name="TextBox 3">
+            <a:extLst>
+              <a:ext uri="{FF2B5EF4-FFF2-40B4-BE49-F238E27FC236}">
+                <a16:creationId xmlns:a16="http://schemas.microsoft.com/office/drawing/2014/main" id="{F29E2444-40DC-1FEF-5C77-A0F6889CE33D}"/>
+              </a:ext>
+            </a:extLst>
+          </p:cNvPr>
+          <p:cNvSpPr txBox="1"/>
+          <p:nvPr/>
+        </p:nvSpPr>
+        <p:spPr>
+          <a:xfrm>
+            <a:off x="-3" y="5694406"/>
+            <a:ext cx="599090" cy="338554"/>
+          </a:xfrm>
+          <a:prstGeom prst="rect">
+            <a:avLst/>
+          </a:prstGeom>
+          <a:noFill/>
+        </p:spPr>
+        <p:txBody>
+          <a:bodyPr wrap="square" rtlCol="0">
+            <a:spAutoFit/>
+          </a:bodyPr>
+          <a:lstStyle/>
+          <a:p>
+            <a:r>
+              <a:rPr lang="en-US" sz="1600" b="1" dirty="0"/>
+              <a:t>E</a:t>
+            </a:r>
+          </a:p>
+        </p:txBody>
+      </p:sp>
+      <p:sp>
+        <p:nvSpPr>
+          <p:cNvPr id="5" name="TextBox 4">
+            <a:extLst>
+              <a:ext uri="{FF2B5EF4-FFF2-40B4-BE49-F238E27FC236}">
+                <a16:creationId xmlns:a16="http://schemas.microsoft.com/office/drawing/2014/main" id="{FF263688-9D9A-ABB2-B4AA-AB2D58DE70A1}"/>
+              </a:ext>
+            </a:extLst>
+          </p:cNvPr>
+          <p:cNvSpPr txBox="1"/>
+          <p:nvPr/>
+        </p:nvSpPr>
+        <p:spPr>
+          <a:xfrm>
+            <a:off x="18497" y="8833260"/>
+            <a:ext cx="599090" cy="338554"/>
+          </a:xfrm>
+          <a:prstGeom prst="rect">
+            <a:avLst/>
+          </a:prstGeom>
+          <a:noFill/>
+        </p:spPr>
+        <p:txBody>
+          <a:bodyPr wrap="square" rtlCol="0">
+            <a:spAutoFit/>
+          </a:bodyPr>
+          <a:lstStyle/>
+          <a:p>
+            <a:r>
+              <a:rPr lang="en-US" sz="1600" b="1" dirty="0"/>
+              <a:t>F</a:t>
+            </a:r>
+          </a:p>
+        </p:txBody>
+      </p:sp>
     </p:spTree>
     <p:extLst>
       <p:ext uri="{BB962C8B-B14F-4D97-AF65-F5344CB8AC3E}">
